--- a/week6/Recap-SoAr-2019.pptx
+++ b/week6/Recap-SoAr-2019.pptx
@@ -13682,11 +13682,13 @@
         <p:spPr>
           <a:xfrm>
             <a:off x="1295400" y="1739348"/>
-            <a:ext cx="9601200" cy="3581400"/>
-          </a:xfrm>
-        </p:spPr>
-        <p:txBody>
-          <a:bodyPr/>
+            <a:ext cx="9601200" cy="4714038"/>
+          </a:xfrm>
+        </p:spPr>
+        <p:txBody>
+          <a:bodyPr>
+            <a:normAutofit fontScale="85000" lnSpcReduction="20000"/>
+          </a:bodyPr>
           <a:lstStyle/>
           <a:p>
             <a:pPr marL="0" indent="0">
@@ -13706,6 +13708,62 @@
             </a:r>
             <a:r>
               <a:rPr lang="fr-FR" dirty="0" err="1"/>
+              <a:t>we</a:t>
+            </a:r>
+            <a:r>
+              <a:rPr lang="fr-FR" dirty="0"/>
+              <a:t> </a:t>
+            </a:r>
+            <a:r>
+              <a:rPr lang="fr-FR" dirty="0" err="1"/>
+              <a:t>provide</a:t>
+            </a:r>
+            <a:r>
+              <a:rPr lang="fr-FR" dirty="0"/>
+              <a:t> </a:t>
+            </a:r>
+            <a:r>
+              <a:rPr lang="fr-FR" dirty="0" err="1"/>
+              <a:t>you</a:t>
+            </a:r>
+            <a:r>
+              <a:rPr lang="fr-FR" dirty="0"/>
+              <a:t> </a:t>
+            </a:r>
+            <a:r>
+              <a:rPr lang="fr-FR" dirty="0" err="1"/>
+              <a:t>with</a:t>
+            </a:r>
+            <a:r>
+              <a:rPr lang="fr-FR" dirty="0"/>
+              <a:t> a new </a:t>
+            </a:r>
+            <a:r>
+              <a:rPr lang="fr-FR" dirty="0" err="1"/>
+              <a:t>project</a:t>
+            </a:r>
+            <a:r>
+              <a:rPr lang="fr-FR" dirty="0"/>
+              <a:t> </a:t>
+            </a:r>
+            <a:r>
+              <a:rPr lang="fr-FR" dirty="0" err="1"/>
+              <a:t>called</a:t>
+            </a:r>
+            <a:r>
+              <a:rPr lang="fr-FR" dirty="0"/>
+              <a:t> « </a:t>
+            </a:r>
+            <a:r>
+              <a:rPr lang="fr-FR" dirty="0" err="1"/>
+              <a:t>JPA_Bank_Exercise</a:t>
+            </a:r>
+            <a:r>
+              <a:rPr lang="fr-FR" dirty="0"/>
+              <a:t> », </a:t>
+            </a:r>
+            <a:r>
+              <a:rPr lang="fr-FR" dirty="0" err="1"/>
               <a:t>you</a:t>
             </a:r>
             <a:r>
@@ -13718,7 +13776,7 @@
             </a:r>
             <a:r>
               <a:rPr lang="fr-FR" dirty="0"/>
-              <a:t> a new table </a:t>
+              <a:t> new tables </a:t>
             </a:r>
             <a:r>
               <a:rPr lang="fr-FR" dirty="0" err="1"/>
@@ -13726,7 +13784,15 @@
             </a:r>
             <a:r>
               <a:rPr lang="fr-FR" dirty="0"/>
-              <a:t> « </a:t>
+              <a:t> </a:t>
+            </a:r>
+            <a:r>
+              <a:rPr lang="fr-FR" dirty="0" err="1"/>
+              <a:t>Account</a:t>
+            </a:r>
+            <a:r>
+              <a:rPr lang="fr-FR" dirty="0"/>
+              <a:t> and  </a:t>
             </a:r>
             <a:r>
               <a:rPr lang="fr-FR" dirty="0" err="1"/>
@@ -13734,11 +13800,57 @@
             </a:r>
             <a:r>
               <a:rPr lang="fr-FR" dirty="0"/>
-              <a:t> » </a:t>
+              <a:t>. You </a:t>
             </a:r>
             <a:r>
               <a:rPr lang="fr-FR" dirty="0" err="1"/>
-              <a:t>which</a:t>
+              <a:t>can</a:t>
+            </a:r>
+            <a:r>
+              <a:rPr lang="fr-FR" dirty="0"/>
+              <a:t> use the </a:t>
+            </a:r>
+            <a:r>
+              <a:rPr lang="fr-FR" dirty="0" err="1"/>
+              <a:t>following</a:t>
+            </a:r>
+            <a:r>
+              <a:rPr lang="fr-FR" dirty="0"/>
+              <a:t> code to </a:t>
+            </a:r>
+            <a:r>
+              <a:rPr lang="fr-FR" dirty="0" err="1"/>
+              <a:t>generate</a:t>
+            </a:r>
+            <a:r>
+              <a:rPr lang="fr-FR" dirty="0"/>
+              <a:t> the tables:</a:t>
+            </a:r>
+          </a:p>
+          <a:p>
+            <a:pPr marL="0" indent="0">
+              <a:buNone/>
+            </a:pPr>
+            <a:r>
+              <a:rPr lang="fr-FR" dirty="0" err="1"/>
+              <a:t>create</a:t>
+            </a:r>
+            <a:r>
+              <a:rPr lang="fr-FR" dirty="0"/>
+              <a:t> table ACCOUNT (</a:t>
+            </a:r>
+          </a:p>
+          <a:p>
+            <a:pPr marL="0" indent="0">
+              <a:buNone/>
+            </a:pPr>
+            <a:r>
+              <a:rPr lang="fr-FR" dirty="0"/>
+              <a:t>	ACC_ID INT GENERATED ALWAYS AS IDENTITY not </a:t>
+            </a:r>
+            <a:r>
+              <a:rPr lang="fr-FR" dirty="0" err="1"/>
+              <a:t>null</a:t>
             </a:r>
             <a:r>
               <a:rPr lang="fr-FR" dirty="0"/>
@@ -13746,7 +13858,73 @@
             </a:r>
             <a:r>
               <a:rPr lang="fr-FR" dirty="0" err="1"/>
-              <a:t>should</a:t>
+              <a:t>primary</a:t>
+            </a:r>
+            <a:r>
+              <a:rPr lang="fr-FR" dirty="0"/>
+              <a:t> key ,</a:t>
+            </a:r>
+          </a:p>
+          <a:p>
+            <a:pPr marL="0" indent="0">
+              <a:buNone/>
+            </a:pPr>
+            <a:r>
+              <a:rPr lang="fr-FR" dirty="0"/>
+              <a:t>	FIRST_NAME VARCHAR(50),</a:t>
+            </a:r>
+          </a:p>
+          <a:p>
+            <a:pPr marL="0" indent="0">
+              <a:buNone/>
+            </a:pPr>
+            <a:r>
+              <a:rPr lang="fr-FR" dirty="0"/>
+              <a:t>	LAST_NAME VARCHAR(50),</a:t>
+            </a:r>
+          </a:p>
+          <a:p>
+            <a:pPr marL="0" indent="0">
+              <a:buNone/>
+            </a:pPr>
+            <a:r>
+              <a:rPr lang="fr-FR" dirty="0"/>
+              <a:t>	ACC_BALANCE DOUBLE</a:t>
+            </a:r>
+          </a:p>
+          <a:p>
+            <a:pPr marL="0" indent="0">
+              <a:buNone/>
+            </a:pPr>
+            <a:r>
+              <a:rPr lang="fr-FR" dirty="0"/>
+              <a:t>);</a:t>
+            </a:r>
+          </a:p>
+          <a:p>
+            <a:pPr marL="0" indent="0">
+              <a:buNone/>
+            </a:pPr>
+            <a:r>
+              <a:rPr lang="fr-FR" dirty="0" err="1"/>
+              <a:t>create</a:t>
+            </a:r>
+            <a:r>
+              <a:rPr lang="fr-FR" dirty="0"/>
+              <a:t> table PAYMENT ( </a:t>
+            </a:r>
+          </a:p>
+          <a:p>
+            <a:pPr marL="0" indent="0">
+              <a:buNone/>
+            </a:pPr>
+            <a:r>
+              <a:rPr lang="fr-FR" dirty="0"/>
+              <a:t>	PAY_ID INT GENERATED ALWAYS AS IDENTITY not </a:t>
+            </a:r>
+            <a:r>
+              <a:rPr lang="fr-FR" dirty="0" err="1"/>
+              <a:t>null</a:t>
             </a:r>
             <a:r>
               <a:rPr lang="fr-FR" dirty="0"/>
@@ -13754,65 +13932,39 @@
             </a:r>
             <a:r>
               <a:rPr lang="fr-FR" dirty="0" err="1"/>
-              <a:t>contain</a:t>
+              <a:t>primary</a:t>
             </a:r>
             <a:r>
               <a:rPr lang="fr-FR" dirty="0"/>
-              <a:t> the </a:t>
-            </a:r>
-            <a:r>
-              <a:rPr lang="fr-FR" dirty="0" err="1"/>
-              <a:t>following</a:t>
-            </a:r>
+              <a:t> key , </a:t>
+            </a:r>
+          </a:p>
+          <a:p>
+            <a:pPr marL="0" indent="0">
+              <a:buNone/>
+            </a:pPr>
             <a:r>
               <a:rPr lang="fr-FR" dirty="0"/>
-              <a:t> </a:t>
-            </a:r>
-            <a:r>
-              <a:rPr lang="fr-FR" dirty="0" err="1"/>
-              <a:t>attributes</a:t>
-            </a:r>
+              <a:t>	EXEC_DATE DATE , </a:t>
+            </a:r>
+          </a:p>
+          <a:p>
+            <a:pPr marL="0" indent="0">
+              <a:buNone/>
+            </a:pPr>
             <a:r>
               <a:rPr lang="fr-FR" dirty="0"/>
-              <a:t>:</a:t>
-            </a:r>
-          </a:p>
-          <a:p>
-            <a:pPr>
-              <a:buFontTx/>
-              <a:buChar char="-"/>
+              <a:t>	PAY_AMOUNT DOUBLE</a:t>
+            </a:r>
+          </a:p>
+          <a:p>
+            <a:pPr marL="0" indent="0">
+              <a:buNone/>
             </a:pPr>
             <a:r>
               <a:rPr lang="fr-FR" dirty="0"/>
-              <a:t>ID</a:t>
-            </a:r>
-          </a:p>
-          <a:p>
-            <a:pPr>
-              <a:buFontTx/>
-              <a:buChar char="-"/>
-            </a:pPr>
-            <a:r>
-              <a:rPr lang="fr-FR" dirty="0"/>
-              <a:t>EXECDATE</a:t>
-            </a:r>
-          </a:p>
-          <a:p>
-            <a:pPr>
-              <a:buFontTx/>
-              <a:buChar char="-"/>
-            </a:pPr>
-            <a:r>
-              <a:rPr lang="fr-FR" dirty="0"/>
-              <a:t>AMOUNT</a:t>
-            </a:r>
-          </a:p>
-          <a:p>
-            <a:pPr>
-              <a:buFontTx/>
-              <a:buChar char="-"/>
-            </a:pPr>
-            <a:endParaRPr lang="fr-FR" dirty="0"/>
+              <a:t>);</a:t>
+            </a:r>
           </a:p>
           <a:p>
             <a:pPr marL="0" indent="0">
